--- a/Project1-ExploreVis/Fu-Yuan VIs/Visualization project.pptx
+++ b/Project1-ExploreVis/Fu-Yuan VIs/Visualization project.pptx
@@ -4520,11 +4520,7 @@
             </a:r>
             <a:r>
               <a:rPr lang="en-US" sz="2500" dirty="0" smtClean="0"/>
-              <a:t>loan </a:t>
-            </a:r>
-            <a:r>
-              <a:rPr lang="en-US" sz="2500" dirty="0" smtClean="0"/>
-              <a:t>default rate</a:t>
+              <a:t>loan default rate</a:t>
             </a:r>
           </a:p>
           <a:p>
@@ -4642,7 +4638,9 @@
           </a:xfrm>
         </p:spPr>
         <p:txBody>
-          <a:bodyPr/>
+          <a:bodyPr>
+            <a:normAutofit/>
+          </a:bodyPr>
           <a:lstStyle/>
           <a:p>
             <a:r>
@@ -4673,8 +4671,6 @@
               <a:rPr lang="en-US" altLang="zh-TW" dirty="0" smtClean="0"/>
               <a:t>Status</a:t>
             </a:r>
-          </a:p>
-          <a:p>
             <a:endParaRPr lang="en-US" altLang="zh-TW" dirty="0"/>
           </a:p>
           <a:p>
@@ -4847,6 +4843,33 @@
             <a:endParaRPr lang="en-US" dirty="0"/>
           </a:p>
           <a:p>
+            <a:r>
+              <a:rPr lang="en-US" altLang="zh-TW" dirty="0" smtClean="0"/>
+              <a:t>Explore</a:t>
+            </a:r>
+            <a:r>
+              <a:rPr lang="zh-TW" altLang="en-US" dirty="0" smtClean="0"/>
+              <a:t> </a:t>
+            </a:r>
+            <a:r>
+              <a:rPr lang="en-US" altLang="zh-TW" dirty="0" smtClean="0"/>
+              <a:t>Shiny</a:t>
+            </a:r>
+          </a:p>
+          <a:p>
+            <a:pPr lvl="1"/>
+            <a:r>
+              <a:rPr lang="en-US" dirty="0"/>
+              <a:t>https://</a:t>
+            </a:r>
+            <a:r>
+              <a:rPr lang="en-US" dirty="0" err="1"/>
+              <a:t>fu-yuan.shinyapps.io</a:t>
+            </a:r>
+            <a:r>
+              <a:rPr lang="en-US" dirty="0"/>
+              <a:t>/project/</a:t>
+            </a:r>
             <a:endParaRPr lang="en-US" dirty="0"/>
           </a:p>
         </p:txBody>
